--- a/lessons/3_derivation/ppt/全连接层的前向和后向传播推导（中）.pptx
+++ b/lessons/3_derivation/ppt/全连接层的前向和后向传播推导（中）.pptx
@@ -225,7 +225,7 @@
                 <a:latin typeface="微软雅黑" panose="020B0503020204020204" charset="-122"/>
                 <a:ea typeface="微软雅黑" panose="020B0503020204020204" charset="-122"/>
               </a:rPr>
-              <a:t>2022/10/29</a:t>
+              <a:t>2022/10/30</a:t>
             </a:fld>
             <a:endParaRPr lang="zh-CN" altLang="en-US">
               <a:latin typeface="微软雅黑" panose="020B0503020204020204" charset="-122"/>
@@ -408,7 +408,7 @@
           <a:p>
             <a:fld id="{1AC49D05-6128-4D0D-A32A-06A5E73B386C}" type="datetimeFigureOut">
               <a:rPr lang="zh-CN" altLang="en-US" smtClean="0"/>
-              <a:t>2022/10/29</a:t>
+              <a:t>2022/10/30</a:t>
             </a:fld>
             <a:endParaRPr lang="zh-CN" altLang="en-US"/>
           </a:p>
@@ -1070,7 +1070,7 @@
           <a:p>
             <a:fld id="{9EFD9D74-47D9-4702-A33C-335B63B48DBF}" type="datetimeFigureOut">
               <a:rPr lang="zh-CN" altLang="en-US" smtClean="0"/>
-              <a:t>2022/10/29</a:t>
+              <a:t>2022/10/30</a:t>
             </a:fld>
             <a:endParaRPr lang="zh-CN" altLang="en-US" dirty="0"/>
           </a:p>
@@ -1403,7 +1403,7 @@
           <a:p>
             <a:fld id="{760FBDFE-C587-4B4C-A407-44438C67B59E}" type="datetimeFigureOut">
               <a:rPr lang="zh-CN" altLang="en-US" smtClean="0"/>
-              <a:t>2022/10/29</a:t>
+              <a:t>2022/10/30</a:t>
             </a:fld>
             <a:endParaRPr lang="zh-CN" altLang="en-US"/>
           </a:p>
@@ -1576,7 +1576,7 @@
           <a:p>
             <a:fld id="{9EFD9D74-47D9-4702-A33C-335B63B48DBF}" type="datetimeFigureOut">
               <a:rPr lang="zh-CN" altLang="en-US" smtClean="0"/>
-              <a:t>2022/10/29</a:t>
+              <a:t>2022/10/30</a:t>
             </a:fld>
             <a:endParaRPr lang="zh-CN" altLang="en-US" dirty="0"/>
           </a:p>
@@ -2101,7 +2101,7 @@
           <a:p>
             <a:fld id="{760FBDFE-C587-4B4C-A407-44438C67B59E}" type="datetimeFigureOut">
               <a:rPr lang="zh-CN" altLang="en-US" smtClean="0"/>
-              <a:t>2022/10/29</a:t>
+              <a:t>2022/10/30</a:t>
             </a:fld>
             <a:endParaRPr lang="zh-CN" altLang="en-US"/>
           </a:p>
@@ -2849,7 +2849,7 @@
           <a:p>
             <a:fld id="{760FBDFE-C587-4B4C-A407-44438C67B59E}" type="datetimeFigureOut">
               <a:rPr lang="zh-CN" altLang="en-US" smtClean="0"/>
-              <a:t>2022/10/29</a:t>
+              <a:t>2022/10/30</a:t>
             </a:fld>
             <a:endParaRPr lang="zh-CN" altLang="en-US"/>
           </a:p>
@@ -3015,7 +3015,7 @@
           <a:p>
             <a:fld id="{760FBDFE-C587-4B4C-A407-44438C67B59E}" type="datetimeFigureOut">
               <a:rPr lang="zh-CN" altLang="en-US" smtClean="0"/>
-              <a:t>2022/10/29</a:t>
+              <a:t>2022/10/30</a:t>
             </a:fld>
             <a:endParaRPr lang="zh-CN" altLang="en-US"/>
           </a:p>
@@ -3129,7 +3129,7 @@
           <a:p>
             <a:fld id="{760FBDFE-C587-4B4C-A407-44438C67B59E}" type="datetimeFigureOut">
               <a:rPr lang="zh-CN" altLang="en-US" smtClean="0"/>
-              <a:t>2022/10/29</a:t>
+              <a:t>2022/10/30</a:t>
             </a:fld>
             <a:endParaRPr lang="zh-CN" altLang="en-US"/>
           </a:p>
@@ -3459,7 +3459,7 @@
           <a:p>
             <a:fld id="{9EFD9D74-47D9-4702-A33C-335B63B48DBF}" type="datetimeFigureOut">
               <a:rPr lang="zh-CN" altLang="en-US" smtClean="0"/>
-              <a:t>2022/10/29</a:t>
+              <a:t>2022/10/30</a:t>
             </a:fld>
             <a:endParaRPr lang="zh-CN" altLang="en-US" dirty="0"/>
           </a:p>
@@ -3972,7 +3972,7 @@
           <a:p>
             <a:fld id="{760FBDFE-C587-4B4C-A407-44438C67B59E}" type="datetimeFigureOut">
               <a:rPr lang="zh-CN" altLang="en-US" smtClean="0"/>
-              <a:t>2022/10/29</a:t>
+              <a:t>2022/10/30</a:t>
             </a:fld>
             <a:endParaRPr lang="zh-CN" altLang="en-US"/>
           </a:p>
@@ -4086,7 +4086,7 @@
           <a:p>
             <a:fld id="{760FBDFE-C587-4B4C-A407-44438C67B59E}" type="datetimeFigureOut">
               <a:rPr lang="zh-CN" altLang="en-US" smtClean="0"/>
-              <a:t>2022/10/29</a:t>
+              <a:t>2022/10/30</a:t>
             </a:fld>
             <a:endParaRPr lang="zh-CN" altLang="en-US"/>
           </a:p>
@@ -4374,7 +4374,7 @@
           <a:p>
             <a:fld id="{82F288E0-7875-42C4-84C8-98DBBD3BF4D2}" type="datetimeFigureOut">
               <a:rPr lang="zh-CN" altLang="en-US" smtClean="0"/>
-              <a:t>2022/10/29</a:t>
+              <a:t>2022/10/30</a:t>
             </a:fld>
             <a:endParaRPr lang="zh-CN" altLang="en-US"/>
           </a:p>
@@ -4833,7 +4833,7 @@
           <a:p>
             <a:fld id="{760FBDFE-C587-4B4C-A407-44438C67B59E}" type="datetimeFigureOut">
               <a:rPr lang="zh-CN" altLang="en-US" smtClean="0"/>
-              <a:t>2022/10/29</a:t>
+              <a:t>2022/10/30</a:t>
             </a:fld>
             <a:endParaRPr lang="zh-CN" altLang="en-US"/>
           </a:p>
@@ -5502,7 +5502,7 @@
           <a:p>
             <a:fld id="{9EFD9D74-47D9-4702-A33C-335B63B48DBF}" type="datetimeFigureOut">
               <a:rPr lang="zh-CN" altLang="en-US" smtClean="0"/>
-              <a:t>2022/10/29</a:t>
+              <a:t>2022/10/30</a:t>
             </a:fld>
             <a:endParaRPr lang="zh-CN" altLang="en-US" dirty="0"/>
           </a:p>
@@ -5650,7 +5650,7 @@
           <a:p>
             <a:fld id="{9EFD9D74-47D9-4702-A33C-335B63B48DBF}" type="datetimeFigureOut">
               <a:rPr lang="zh-CN" altLang="en-US" smtClean="0"/>
-              <a:t>2022/10/29</a:t>
+              <a:t>2022/10/30</a:t>
             </a:fld>
             <a:endParaRPr lang="zh-CN" altLang="en-US" dirty="0"/>
           </a:p>
@@ -6580,15 +6580,15 @@
       </p:sp>
       <p:pic>
         <p:nvPicPr>
-          <p:cNvPr id="4" name="Picture 2" descr="image">
+          <p:cNvPr id="5" name="图片 4">
             <a:extLst>
               <a:ext uri="{FF2B5EF4-FFF2-40B4-BE49-F238E27FC236}">
-                <a16:creationId xmlns:a16="http://schemas.microsoft.com/office/drawing/2014/main" id="{EB00B3E1-BCD8-3114-969D-36078171A780}"/>
+                <a16:creationId xmlns:a16="http://schemas.microsoft.com/office/drawing/2014/main" id="{BB0FE9D3-F7C9-BDD0-B1BC-A914529F3416}"/>
               </a:ext>
             </a:extLst>
           </p:cNvPr>
           <p:cNvPicPr>
-            <a:picLocks noChangeAspect="1" noChangeArrowheads="1"/>
+            <a:picLocks noChangeAspect="1"/>
           </p:cNvPicPr>
           <p:nvPr/>
         </p:nvPicPr>
@@ -6600,29 +6600,18 @@
               </a:ext>
             </a:extLst>
           </a:blip>
-          <a:srcRect/>
           <a:stretch>
             <a:fillRect/>
           </a:stretch>
         </p:blipFill>
-        <p:spPr bwMode="auto">
+        <p:spPr>
           <a:xfrm>
-            <a:off x="5890099" y="2054741"/>
-            <a:ext cx="4680766" cy="3026298"/>
+            <a:off x="5700246" y="2822515"/>
+            <a:ext cx="4127500" cy="2667000"/>
           </a:xfrm>
           <a:prstGeom prst="rect">
             <a:avLst/>
           </a:prstGeom>
-          <a:noFill/>
-          <a:extLst>
-            <a:ext uri="{909E8E84-426E-40DD-AFC4-6F175D3DCCD1}">
-              <a14:hiddenFill xmlns:a14="http://schemas.microsoft.com/office/drawing/2010/main">
-                <a:solidFill>
-                  <a:srgbClr val="FFFFFF"/>
-                </a:solidFill>
-              </a14:hiddenFill>
-            </a:ext>
-          </a:extLst>
         </p:spPr>
       </p:pic>
     </p:spTree>
@@ -6770,7 +6759,7 @@
                                           </p:stCondLst>
                                         </p:cTn>
                                         <p:tgtEl>
-                                          <p:spTgt spid="4"/>
+                                          <p:spTgt spid="5"/>
                                         </p:tgtEl>
                                         <p:attrNameLst>
                                           <p:attrName>style.visibility</p:attrName>
@@ -8500,15 +8489,15 @@
       </p:sp>
       <p:pic>
         <p:nvPicPr>
-          <p:cNvPr id="5" name="Picture 2" descr="image">
+          <p:cNvPr id="6" name="图片 5">
             <a:extLst>
               <a:ext uri="{FF2B5EF4-FFF2-40B4-BE49-F238E27FC236}">
-                <a16:creationId xmlns:a16="http://schemas.microsoft.com/office/drawing/2014/main" id="{41C6D8F2-03DB-F936-8739-4EEB319F017F}"/>
+                <a16:creationId xmlns:a16="http://schemas.microsoft.com/office/drawing/2014/main" id="{6B6D930F-A939-59EE-5199-ED27E982D040}"/>
               </a:ext>
             </a:extLst>
           </p:cNvPr>
           <p:cNvPicPr>
-            <a:picLocks noChangeAspect="1" noChangeArrowheads="1"/>
+            <a:picLocks noChangeAspect="1"/>
           </p:cNvPicPr>
           <p:nvPr/>
         </p:nvPicPr>
@@ -8520,29 +8509,18 @@
               </a:ext>
             </a:extLst>
           </a:blip>
-          <a:srcRect/>
           <a:stretch>
             <a:fillRect/>
           </a:stretch>
         </p:blipFill>
-        <p:spPr bwMode="auto">
+        <p:spPr>
           <a:xfrm>
-            <a:off x="6392517" y="2205467"/>
-            <a:ext cx="4680766" cy="3026298"/>
+            <a:off x="6681881" y="1626235"/>
+            <a:ext cx="4127500" cy="2667000"/>
           </a:xfrm>
           <a:prstGeom prst="rect">
             <a:avLst/>
           </a:prstGeom>
-          <a:noFill/>
-          <a:extLst>
-            <a:ext uri="{909E8E84-426E-40DD-AFC4-6F175D3DCCD1}">
-              <a14:hiddenFill xmlns:a14="http://schemas.microsoft.com/office/drawing/2010/main">
-                <a:solidFill>
-                  <a:srgbClr val="FFFFFF"/>
-                </a:solidFill>
-              </a14:hiddenFill>
-            </a:ext>
-          </a:extLst>
         </p:spPr>
       </p:pic>
     </p:spTree>
@@ -8592,7 +8570,7 @@
                                           </p:stCondLst>
                                         </p:cTn>
                                         <p:tgtEl>
-                                          <p:spTgt spid="5"/>
+                                          <p:spTgt spid="6"/>
                                         </p:tgtEl>
                                         <p:attrNameLst>
                                           <p:attrName>style.visibility</p:attrName>

--- a/lessons/3_derivation/ppt/全连接层的前向和后向传播推导（中）.pptx
+++ b/lessons/3_derivation/ppt/全连接层的前向和后向传播推导（中）.pptx
@@ -225,7 +225,7 @@
                 <a:latin typeface="微软雅黑" panose="020B0503020204020204" charset="-122"/>
                 <a:ea typeface="微软雅黑" panose="020B0503020204020204" charset="-122"/>
               </a:rPr>
-              <a:t>2022/10/30</a:t>
+              <a:t>2022/10/31</a:t>
             </a:fld>
             <a:endParaRPr lang="zh-CN" altLang="en-US">
               <a:latin typeface="微软雅黑" panose="020B0503020204020204" charset="-122"/>
@@ -408,7 +408,7 @@
           <a:p>
             <a:fld id="{1AC49D05-6128-4D0D-A32A-06A5E73B386C}" type="datetimeFigureOut">
               <a:rPr lang="zh-CN" altLang="en-US" smtClean="0"/>
-              <a:t>2022/10/30</a:t>
+              <a:t>2022/10/31</a:t>
             </a:fld>
             <a:endParaRPr lang="zh-CN" altLang="en-US"/>
           </a:p>
@@ -1070,7 +1070,7 @@
           <a:p>
             <a:fld id="{9EFD9D74-47D9-4702-A33C-335B63B48DBF}" type="datetimeFigureOut">
               <a:rPr lang="zh-CN" altLang="en-US" smtClean="0"/>
-              <a:t>2022/10/30</a:t>
+              <a:t>2022/10/31</a:t>
             </a:fld>
             <a:endParaRPr lang="zh-CN" altLang="en-US" dirty="0"/>
           </a:p>
@@ -1403,7 +1403,7 @@
           <a:p>
             <a:fld id="{760FBDFE-C587-4B4C-A407-44438C67B59E}" type="datetimeFigureOut">
               <a:rPr lang="zh-CN" altLang="en-US" smtClean="0"/>
-              <a:t>2022/10/30</a:t>
+              <a:t>2022/10/31</a:t>
             </a:fld>
             <a:endParaRPr lang="zh-CN" altLang="en-US"/>
           </a:p>
@@ -1576,7 +1576,7 @@
           <a:p>
             <a:fld id="{9EFD9D74-47D9-4702-A33C-335B63B48DBF}" type="datetimeFigureOut">
               <a:rPr lang="zh-CN" altLang="en-US" smtClean="0"/>
-              <a:t>2022/10/30</a:t>
+              <a:t>2022/10/31</a:t>
             </a:fld>
             <a:endParaRPr lang="zh-CN" altLang="en-US" dirty="0"/>
           </a:p>
@@ -2101,7 +2101,7 @@
           <a:p>
             <a:fld id="{760FBDFE-C587-4B4C-A407-44438C67B59E}" type="datetimeFigureOut">
               <a:rPr lang="zh-CN" altLang="en-US" smtClean="0"/>
-              <a:t>2022/10/30</a:t>
+              <a:t>2022/10/31</a:t>
             </a:fld>
             <a:endParaRPr lang="zh-CN" altLang="en-US"/>
           </a:p>
@@ -2849,7 +2849,7 @@
           <a:p>
             <a:fld id="{760FBDFE-C587-4B4C-A407-44438C67B59E}" type="datetimeFigureOut">
               <a:rPr lang="zh-CN" altLang="en-US" smtClean="0"/>
-              <a:t>2022/10/30</a:t>
+              <a:t>2022/10/31</a:t>
             </a:fld>
             <a:endParaRPr lang="zh-CN" altLang="en-US"/>
           </a:p>
@@ -3015,7 +3015,7 @@
           <a:p>
             <a:fld id="{760FBDFE-C587-4B4C-A407-44438C67B59E}" type="datetimeFigureOut">
               <a:rPr lang="zh-CN" altLang="en-US" smtClean="0"/>
-              <a:t>2022/10/30</a:t>
+              <a:t>2022/10/31</a:t>
             </a:fld>
             <a:endParaRPr lang="zh-CN" altLang="en-US"/>
           </a:p>
@@ -3129,7 +3129,7 @@
           <a:p>
             <a:fld id="{760FBDFE-C587-4B4C-A407-44438C67B59E}" type="datetimeFigureOut">
               <a:rPr lang="zh-CN" altLang="en-US" smtClean="0"/>
-              <a:t>2022/10/30</a:t>
+              <a:t>2022/10/31</a:t>
             </a:fld>
             <a:endParaRPr lang="zh-CN" altLang="en-US"/>
           </a:p>
@@ -3459,7 +3459,7 @@
           <a:p>
             <a:fld id="{9EFD9D74-47D9-4702-A33C-335B63B48DBF}" type="datetimeFigureOut">
               <a:rPr lang="zh-CN" altLang="en-US" smtClean="0"/>
-              <a:t>2022/10/30</a:t>
+              <a:t>2022/10/31</a:t>
             </a:fld>
             <a:endParaRPr lang="zh-CN" altLang="en-US" dirty="0"/>
           </a:p>
@@ -3972,7 +3972,7 @@
           <a:p>
             <a:fld id="{760FBDFE-C587-4B4C-A407-44438C67B59E}" type="datetimeFigureOut">
               <a:rPr lang="zh-CN" altLang="en-US" smtClean="0"/>
-              <a:t>2022/10/30</a:t>
+              <a:t>2022/10/31</a:t>
             </a:fld>
             <a:endParaRPr lang="zh-CN" altLang="en-US"/>
           </a:p>
@@ -4086,7 +4086,7 @@
           <a:p>
             <a:fld id="{760FBDFE-C587-4B4C-A407-44438C67B59E}" type="datetimeFigureOut">
               <a:rPr lang="zh-CN" altLang="en-US" smtClean="0"/>
-              <a:t>2022/10/30</a:t>
+              <a:t>2022/10/31</a:t>
             </a:fld>
             <a:endParaRPr lang="zh-CN" altLang="en-US"/>
           </a:p>
@@ -4374,7 +4374,7 @@
           <a:p>
             <a:fld id="{82F288E0-7875-42C4-84C8-98DBBD3BF4D2}" type="datetimeFigureOut">
               <a:rPr lang="zh-CN" altLang="en-US" smtClean="0"/>
-              <a:t>2022/10/30</a:t>
+              <a:t>2022/10/31</a:t>
             </a:fld>
             <a:endParaRPr lang="zh-CN" altLang="en-US"/>
           </a:p>
@@ -4833,7 +4833,7 @@
           <a:p>
             <a:fld id="{760FBDFE-C587-4B4C-A407-44438C67B59E}" type="datetimeFigureOut">
               <a:rPr lang="zh-CN" altLang="en-US" smtClean="0"/>
-              <a:t>2022/10/30</a:t>
+              <a:t>2022/10/31</a:t>
             </a:fld>
             <a:endParaRPr lang="zh-CN" altLang="en-US"/>
           </a:p>
@@ -5502,7 +5502,7 @@
           <a:p>
             <a:fld id="{9EFD9D74-47D9-4702-A33C-335B63B48DBF}" type="datetimeFigureOut">
               <a:rPr lang="zh-CN" altLang="en-US" smtClean="0"/>
-              <a:t>2022/10/30</a:t>
+              <a:t>2022/10/31</a:t>
             </a:fld>
             <a:endParaRPr lang="zh-CN" altLang="en-US" dirty="0"/>
           </a:p>
@@ -5650,7 +5650,7 @@
           <a:p>
             <a:fld id="{9EFD9D74-47D9-4702-A33C-335B63B48DBF}" type="datetimeFigureOut">
               <a:rPr lang="zh-CN" altLang="en-US" smtClean="0"/>
-              <a:t>2022/10/30</a:t>
+              <a:t>2022/10/31</a:t>
             </a:fld>
             <a:endParaRPr lang="zh-CN" altLang="en-US" dirty="0"/>
           </a:p>
@@ -7313,6 +7313,20 @@
               <a:buFont typeface="Arial" panose="020B0604020202020204" pitchFamily="34" charset="0"/>
               <a:buChar char="•"/>
             </a:pPr>
+            <a:r>
+              <a:rPr lang="zh-CN" altLang="en-US" dirty="0"/>
+              <a:t>隐藏层的神经元的个数如何确定？神经元太多造成浪费？</a:t>
+            </a:r>
+            <a:br>
+              <a:rPr lang="en-US" altLang="zh-CN" dirty="0"/>
+            </a:br>
+            <a:r>
+              <a:rPr lang="zh-CN" altLang="en-US" dirty="0"/>
+              <a:t>靠经验来确定</a:t>
+            </a:r>
+            <a:br>
+              <a:rPr lang="en-US" altLang="zh-CN" dirty="0"/>
+            </a:br>
             <a:endParaRPr lang="en-US" altLang="zh-CN" dirty="0"/>
           </a:p>
         </p:txBody>
@@ -7708,7 +7722,7 @@
             </a:pPr>
             <a:r>
               <a:rPr lang="zh-CN" altLang="en-US" dirty="0"/>
-              <a:t>为什么要向量化？</a:t>
+              <a:t>神经元计算公式为什么要向量化？</a:t>
             </a:r>
             <a:endParaRPr lang="en-US" altLang="zh-CN" dirty="0"/>
           </a:p>
@@ -8005,11 +8019,7 @@
                                           </p:stCondLst>
                                         </p:cTn>
                                         <p:tgtEl>
-                                          <p:spTgt spid="2">
-                                            <p:txEl>
-                                              <p:pRg st="1" end="1"/>
-                                            </p:txEl>
-                                          </p:spTgt>
+                                          <p:spTgt spid="5"/>
                                         </p:tgtEl>
                                         <p:attrNameLst>
                                           <p:attrName>style.visibility</p:attrName>
@@ -8054,11 +8064,7 @@
                                           </p:stCondLst>
                                         </p:cTn>
                                         <p:tgtEl>
-                                          <p:spTgt spid="2">
-                                            <p:txEl>
-                                              <p:pRg st="2" end="2"/>
-                                            </p:txEl>
-                                          </p:spTgt>
+                                          <p:spTgt spid="6"/>
                                         </p:tgtEl>
                                         <p:attrNameLst>
                                           <p:attrName>style.visibility</p:attrName>
@@ -8103,7 +8109,11 @@
                                           </p:stCondLst>
                                         </p:cTn>
                                         <p:tgtEl>
-                                          <p:spTgt spid="5"/>
+                                          <p:spTgt spid="2">
+                                            <p:txEl>
+                                              <p:pRg st="1" end="1"/>
+                                            </p:txEl>
+                                          </p:spTgt>
                                         </p:tgtEl>
                                         <p:attrNameLst>
                                           <p:attrName>style.visibility</p:attrName>
@@ -8148,7 +8158,11 @@
                                           </p:stCondLst>
                                         </p:cTn>
                                         <p:tgtEl>
-                                          <p:spTgt spid="6"/>
+                                          <p:spTgt spid="2">
+                                            <p:txEl>
+                                              <p:pRg st="2" end="2"/>
+                                            </p:txEl>
+                                          </p:spTgt>
                                         </p:tgtEl>
                                         <p:attrNameLst>
                                           <p:attrName>style.visibility</p:attrName>
@@ -9004,8 +9018,8 @@
         </p:nvSpPr>
         <p:spPr>
           <a:xfrm>
-            <a:off x="1272783" y="2257867"/>
-            <a:ext cx="4002601" cy="923330"/>
+            <a:off x="669882" y="2325102"/>
+            <a:ext cx="5469522" cy="646331"/>
           </a:xfrm>
           <a:prstGeom prst="rect">
             <a:avLst/>
@@ -9163,7 +9177,7 @@
                             </p:stCondLst>
                             <p:childTnLst>
                               <p:par>
-                                <p:cTn id="9" presetID="1" presetClass="entr" presetSubtype="0" fill="hold" grpId="0" nodeType="clickEffect">
+                                <p:cTn id="9" presetID="1" presetClass="entr" presetSubtype="0" fill="hold" nodeType="clickEffect">
                                   <p:stCondLst>
                                     <p:cond delay="0"/>
                                   </p:stCondLst>
@@ -9176,7 +9190,7 @@
                                           </p:stCondLst>
                                         </p:cTn>
                                         <p:tgtEl>
-                                          <p:spTgt spid="6"/>
+                                          <p:spTgt spid="5122"/>
                                         </p:tgtEl>
                                         <p:attrNameLst>
                                           <p:attrName>style.visibility</p:attrName>
@@ -9208,7 +9222,7 @@
                             </p:stCondLst>
                             <p:childTnLst>
                               <p:par>
-                                <p:cTn id="13" presetID="1" presetClass="entr" presetSubtype="0" fill="hold" nodeType="clickEffect">
+                                <p:cTn id="13" presetID="1" presetClass="entr" presetSubtype="0" fill="hold" grpId="0" nodeType="clickEffect">
                                   <p:stCondLst>
                                     <p:cond delay="0"/>
                                   </p:stCondLst>
@@ -9221,7 +9235,7 @@
                                           </p:stCondLst>
                                         </p:cTn>
                                         <p:tgtEl>
-                                          <p:spTgt spid="5122"/>
+                                          <p:spTgt spid="6"/>
                                         </p:tgtEl>
                                         <p:attrNameLst>
                                           <p:attrName>style.visibility</p:attrName>
@@ -9327,6 +9341,22 @@
               <a:buChar char="•"/>
             </a:pPr>
             <a:r>
+              <a:rPr lang="zh-CN" altLang="en-US" dirty="0">
+                <a:solidFill>
+                  <a:srgbClr val="333333"/>
+                </a:solidFill>
+                <a:latin typeface="verdana" panose="020B0604030504040204" pitchFamily="34" charset="0"/>
+              </a:rPr>
+              <a:t>隐藏层的前向传播计算公式是什么？</a:t>
+            </a:r>
+            <a:endParaRPr lang="en-US" altLang="zh-CN" dirty="0"/>
+          </a:p>
+          <a:p>
+            <a:pPr marL="285750" indent="-285750">
+              <a:buFont typeface="Arial" panose="020B0604020202020204" pitchFamily="34" charset="0"/>
+              <a:buChar char="•"/>
+            </a:pPr>
+            <a:r>
               <a:rPr lang="zh-CN" altLang="en-US" i="0" dirty="0">
                 <a:solidFill>
                   <a:srgbClr val="333333"/>
@@ -9334,7 +9364,7 @@
                 <a:effectLst/>
                 <a:latin typeface="verdana" panose="020B0604030504040204" pitchFamily="34" charset="0"/>
               </a:rPr>
-              <a:t>如何推导隐藏层的前向传播？</a:t>
+              <a:t>如何推导向量化？</a:t>
             </a:r>
             <a:endParaRPr lang="en-US" altLang="zh-CN" i="0" dirty="0">
               <a:solidFill>
@@ -9593,8 +9623,44 @@
         </p:blipFill>
         <p:spPr>
           <a:xfrm>
-            <a:off x="1653964" y="3065389"/>
+            <a:off x="2195276" y="3391194"/>
             <a:ext cx="4905815" cy="3114431"/>
+          </a:xfrm>
+          <a:prstGeom prst="rect">
+            <a:avLst/>
+          </a:prstGeom>
+        </p:spPr>
+      </p:pic>
+      <p:pic>
+        <p:nvPicPr>
+          <p:cNvPr id="5" name="图片 4">
+            <a:extLst>
+              <a:ext uri="{FF2B5EF4-FFF2-40B4-BE49-F238E27FC236}">
+                <a16:creationId xmlns:a16="http://schemas.microsoft.com/office/drawing/2014/main" id="{BC782796-71AD-8DAE-C669-CC70911D9AC9}"/>
+              </a:ext>
+            </a:extLst>
+          </p:cNvPr>
+          <p:cNvPicPr>
+            <a:picLocks noChangeAspect="1"/>
+          </p:cNvPicPr>
+          <p:nvPr/>
+        </p:nvPicPr>
+        <p:blipFill>
+          <a:blip r:embed="rId5">
+            <a:extLst>
+              <a:ext uri="{28A0092B-C50C-407E-A947-70E740481C1C}">
+                <a14:useLocalDpi xmlns:a14="http://schemas.microsoft.com/office/drawing/2010/main" val="0"/>
+              </a:ext>
+            </a:extLst>
+          </a:blip>
+          <a:stretch>
+            <a:fillRect/>
+          </a:stretch>
+        </p:blipFill>
+        <p:spPr>
+          <a:xfrm>
+            <a:off x="4648183" y="2154829"/>
+            <a:ext cx="2900136" cy="820617"/>
           </a:xfrm>
           <a:prstGeom prst="rect">
             <a:avLst/>
@@ -9840,6 +9906,100 @@
                                           </p:stCondLst>
                                         </p:cTn>
                                         <p:tgtEl>
+                                          <p:spTgt spid="5"/>
+                                        </p:tgtEl>
+                                        <p:attrNameLst>
+                                          <p:attrName>style.visibility</p:attrName>
+                                        </p:attrNameLst>
+                                      </p:cBhvr>
+                                      <p:to>
+                                        <p:strVal val="visible"/>
+                                      </p:to>
+                                    </p:set>
+                                  </p:childTnLst>
+                                </p:cTn>
+                              </p:par>
+                            </p:childTnLst>
+                          </p:cTn>
+                        </p:par>
+                      </p:childTnLst>
+                    </p:cTn>
+                  </p:par>
+                  <p:par>
+                    <p:cTn id="23" fill="hold">
+                      <p:stCondLst>
+                        <p:cond delay="indefinite"/>
+                      </p:stCondLst>
+                      <p:childTnLst>
+                        <p:par>
+                          <p:cTn id="24" fill="hold">
+                            <p:stCondLst>
+                              <p:cond delay="0"/>
+                            </p:stCondLst>
+                            <p:childTnLst>
+                              <p:par>
+                                <p:cTn id="25" presetID="1" presetClass="entr" presetSubtype="0" fill="hold" nodeType="clickEffect">
+                                  <p:stCondLst>
+                                    <p:cond delay="0"/>
+                                  </p:stCondLst>
+                                  <p:childTnLst>
+                                    <p:set>
+                                      <p:cBhvr>
+                                        <p:cTn id="26" dur="1" fill="hold">
+                                          <p:stCondLst>
+                                            <p:cond delay="0"/>
+                                          </p:stCondLst>
+                                        </p:cTn>
+                                        <p:tgtEl>
+                                          <p:spTgt spid="2">
+                                            <p:txEl>
+                                              <p:pRg st="3" end="3"/>
+                                            </p:txEl>
+                                          </p:spTgt>
+                                        </p:tgtEl>
+                                        <p:attrNameLst>
+                                          <p:attrName>style.visibility</p:attrName>
+                                        </p:attrNameLst>
+                                      </p:cBhvr>
+                                      <p:to>
+                                        <p:strVal val="visible"/>
+                                      </p:to>
+                                    </p:set>
+                                  </p:childTnLst>
+                                </p:cTn>
+                              </p:par>
+                            </p:childTnLst>
+                          </p:cTn>
+                        </p:par>
+                      </p:childTnLst>
+                    </p:cTn>
+                  </p:par>
+                  <p:par>
+                    <p:cTn id="27" fill="hold">
+                      <p:stCondLst>
+                        <p:cond delay="indefinite"/>
+                      </p:stCondLst>
+                      <p:childTnLst>
+                        <p:par>
+                          <p:cTn id="28" fill="hold">
+                            <p:stCondLst>
+                              <p:cond delay="0"/>
+                            </p:stCondLst>
+                            <p:childTnLst>
+                              <p:par>
+                                <p:cTn id="29" presetID="1" presetClass="entr" presetSubtype="0" fill="hold" nodeType="clickEffect">
+                                  <p:stCondLst>
+                                    <p:cond delay="0"/>
+                                  </p:stCondLst>
+                                  <p:childTnLst>
+                                    <p:set>
+                                      <p:cBhvr>
+                                        <p:cTn id="30" dur="1" fill="hold">
+                                          <p:stCondLst>
+                                            <p:cond delay="0"/>
+                                          </p:stCondLst>
+                                        </p:cTn>
+                                        <p:tgtEl>
                                           <p:spTgt spid="6"/>
                                         </p:tgtEl>
                                         <p:attrNameLst>
@@ -9921,28 +10081,30 @@
               <a:buChar char="•"/>
             </a:pPr>
             <a:r>
-              <a:rPr lang="zh-CN" altLang="en-US" i="0" dirty="0">
+              <a:rPr lang="zh-CN" altLang="en-US" dirty="0">
                 <a:solidFill>
                   <a:srgbClr val="333333"/>
                 </a:solidFill>
-                <a:effectLst/>
                 <a:latin typeface="verdana" panose="020B0604030504040204" pitchFamily="34" charset="0"/>
               </a:rPr>
-              <a:t>如何推导输出层的前向传播？</a:t>
-            </a:r>
-            <a:endParaRPr lang="en-US" altLang="zh-CN" i="0" dirty="0">
-              <a:solidFill>
-                <a:srgbClr val="333333"/>
-              </a:solidFill>
-              <a:effectLst/>
-              <a:latin typeface="verdana" panose="020B0604030504040204" pitchFamily="34" charset="0"/>
-            </a:endParaRPr>
+              <a:t>输出层的前向传播计算公式是什么？</a:t>
+            </a:r>
+            <a:endParaRPr lang="en-US" altLang="zh-CN" dirty="0"/>
           </a:p>
           <a:p>
             <a:pPr marL="285750" indent="-285750">
               <a:buFont typeface="Arial" panose="020B0604020202020204" pitchFamily="34" charset="0"/>
               <a:buChar char="•"/>
             </a:pPr>
+            <a:r>
+              <a:rPr lang="zh-CN" altLang="en-US" dirty="0">
+                <a:solidFill>
+                  <a:srgbClr val="333333"/>
+                </a:solidFill>
+                <a:latin typeface="verdana" panose="020B0604030504040204" pitchFamily="34" charset="0"/>
+              </a:rPr>
+              <a:t>如何推导向量化？</a:t>
+            </a:r>
             <a:endParaRPr lang="en-US" altLang="zh-CN" dirty="0">
               <a:solidFill>
                 <a:srgbClr val="333333"/>
@@ -10233,8 +10395,44 @@
         </p:blipFill>
         <p:spPr>
           <a:xfrm>
-            <a:off x="1959287" y="2140646"/>
+            <a:off x="3068856" y="3262580"/>
             <a:ext cx="4305859" cy="2953870"/>
+          </a:xfrm>
+          <a:prstGeom prst="rect">
+            <a:avLst/>
+          </a:prstGeom>
+        </p:spPr>
+      </p:pic>
+      <p:pic>
+        <p:nvPicPr>
+          <p:cNvPr id="5" name="图片 4">
+            <a:extLst>
+              <a:ext uri="{FF2B5EF4-FFF2-40B4-BE49-F238E27FC236}">
+                <a16:creationId xmlns:a16="http://schemas.microsoft.com/office/drawing/2014/main" id="{30D286AB-2194-9312-9441-AC63CC369431}"/>
+              </a:ext>
+            </a:extLst>
+          </p:cNvPr>
+          <p:cNvPicPr>
+            <a:picLocks noChangeAspect="1"/>
+          </p:cNvPicPr>
+          <p:nvPr/>
+        </p:nvPicPr>
+        <p:blipFill>
+          <a:blip r:embed="rId5">
+            <a:extLst>
+              <a:ext uri="{28A0092B-C50C-407E-A947-70E740481C1C}">
+                <a14:useLocalDpi xmlns:a14="http://schemas.microsoft.com/office/drawing/2010/main" val="0"/>
+              </a:ext>
+            </a:extLst>
+          </a:blip>
+          <a:stretch>
+            <a:fillRect/>
+          </a:stretch>
+        </p:blipFill>
+        <p:spPr>
+          <a:xfrm>
+            <a:off x="4171166" y="2132499"/>
+            <a:ext cx="3034447" cy="816498"/>
           </a:xfrm>
           <a:prstGeom prst="rect">
             <a:avLst/>
@@ -10332,6 +10530,100 @@
                                     <p:set>
                                       <p:cBhvr>
                                         <p:cTn id="10" dur="1" fill="hold">
+                                          <p:stCondLst>
+                                            <p:cond delay="0"/>
+                                          </p:stCondLst>
+                                        </p:cTn>
+                                        <p:tgtEl>
+                                          <p:spTgt spid="5"/>
+                                        </p:tgtEl>
+                                        <p:attrNameLst>
+                                          <p:attrName>style.visibility</p:attrName>
+                                        </p:attrNameLst>
+                                      </p:cBhvr>
+                                      <p:to>
+                                        <p:strVal val="visible"/>
+                                      </p:to>
+                                    </p:set>
+                                  </p:childTnLst>
+                                </p:cTn>
+                              </p:par>
+                            </p:childTnLst>
+                          </p:cTn>
+                        </p:par>
+                      </p:childTnLst>
+                    </p:cTn>
+                  </p:par>
+                  <p:par>
+                    <p:cTn id="11" fill="hold">
+                      <p:stCondLst>
+                        <p:cond delay="indefinite"/>
+                      </p:stCondLst>
+                      <p:childTnLst>
+                        <p:par>
+                          <p:cTn id="12" fill="hold">
+                            <p:stCondLst>
+                              <p:cond delay="0"/>
+                            </p:stCondLst>
+                            <p:childTnLst>
+                              <p:par>
+                                <p:cTn id="13" presetID="1" presetClass="entr" presetSubtype="0" fill="hold" nodeType="clickEffect">
+                                  <p:stCondLst>
+                                    <p:cond delay="0"/>
+                                  </p:stCondLst>
+                                  <p:childTnLst>
+                                    <p:set>
+                                      <p:cBhvr>
+                                        <p:cTn id="14" dur="1" fill="hold">
+                                          <p:stCondLst>
+                                            <p:cond delay="0"/>
+                                          </p:stCondLst>
+                                        </p:cTn>
+                                        <p:tgtEl>
+                                          <p:spTgt spid="2">
+                                            <p:txEl>
+                                              <p:pRg st="1" end="1"/>
+                                            </p:txEl>
+                                          </p:spTgt>
+                                        </p:tgtEl>
+                                        <p:attrNameLst>
+                                          <p:attrName>style.visibility</p:attrName>
+                                        </p:attrNameLst>
+                                      </p:cBhvr>
+                                      <p:to>
+                                        <p:strVal val="visible"/>
+                                      </p:to>
+                                    </p:set>
+                                  </p:childTnLst>
+                                </p:cTn>
+                              </p:par>
+                            </p:childTnLst>
+                          </p:cTn>
+                        </p:par>
+                      </p:childTnLst>
+                    </p:cTn>
+                  </p:par>
+                  <p:par>
+                    <p:cTn id="15" fill="hold">
+                      <p:stCondLst>
+                        <p:cond delay="indefinite"/>
+                      </p:stCondLst>
+                      <p:childTnLst>
+                        <p:par>
+                          <p:cTn id="16" fill="hold">
+                            <p:stCondLst>
+                              <p:cond delay="0"/>
+                            </p:stCondLst>
+                            <p:childTnLst>
+                              <p:par>
+                                <p:cTn id="17" presetID="1" presetClass="entr" presetSubtype="0" fill="hold" nodeType="clickEffect">
+                                  <p:stCondLst>
+                                    <p:cond delay="0"/>
+                                  </p:stCondLst>
+                                  <p:childTnLst>
+                                    <p:set>
+                                      <p:cBhvr>
+                                        <p:cTn id="18" dur="1" fill="hold">
                                           <p:stCondLst>
                                             <p:cond delay="0"/>
                                           </p:stCondLst>
